--- a/Day7/小程序初探.pptx
+++ b/Day7/小程序初探.pptx
@@ -5,10 +5,10 @@
     <p:sldMasterId id="2147483648" r:id="rId1"/>
   </p:sldMasterIdLst>
   <p:notesMasterIdLst>
-    <p:notesMasterId r:id="rId19"/>
+    <p:notesMasterId r:id="rId22"/>
   </p:notesMasterIdLst>
   <p:handoutMasterIdLst>
-    <p:handoutMasterId r:id="rId20"/>
+    <p:handoutMasterId r:id="rId23"/>
   </p:handoutMasterIdLst>
   <p:sldIdLst>
     <p:sldId id="331" r:id="rId2"/>
@@ -21,13 +21,16 @@
     <p:sldId id="337" r:id="rId9"/>
     <p:sldId id="338" r:id="rId10"/>
     <p:sldId id="339" r:id="rId11"/>
-    <p:sldId id="340" r:id="rId12"/>
-    <p:sldId id="342" r:id="rId13"/>
-    <p:sldId id="341" r:id="rId14"/>
-    <p:sldId id="343" r:id="rId15"/>
-    <p:sldId id="344" r:id="rId16"/>
-    <p:sldId id="346" r:id="rId17"/>
-    <p:sldId id="347" r:id="rId18"/>
+    <p:sldId id="348" r:id="rId12"/>
+    <p:sldId id="349" r:id="rId13"/>
+    <p:sldId id="350" r:id="rId14"/>
+    <p:sldId id="340" r:id="rId15"/>
+    <p:sldId id="342" r:id="rId16"/>
+    <p:sldId id="341" r:id="rId17"/>
+    <p:sldId id="343" r:id="rId18"/>
+    <p:sldId id="344" r:id="rId19"/>
+    <p:sldId id="346" r:id="rId20"/>
+    <p:sldId id="347" r:id="rId21"/>
   </p:sldIdLst>
   <p:sldSz cx="9144000" cy="6858000" type="screen4x3"/>
   <p:notesSz cx="9144000" cy="6858000"/>
@@ -2213,7 +2216,7 @@
           <p:cNvPr id="2" name="标题 1">
             <a:extLst>
               <a:ext uri="{FF2B5EF4-FFF2-40B4-BE49-F238E27FC236}">
-                <a16:creationId xmlns:a16="http://schemas.microsoft.com/office/drawing/2014/main" id="{D824BBD7-CA66-4CE6-81C4-65D7BD6D6D48}"/>
+                <a16:creationId xmlns:a16="http://schemas.microsoft.com/office/drawing/2014/main" id="{39B6A5BB-3F51-4761-9296-13355E1D756B}"/>
               </a:ext>
             </a:extLst>
           </p:cNvPr>
@@ -2231,21 +2234,8 @@
           <a:p>
             <a:r>
               <a:rPr lang="zh-CN" altLang="en-US" dirty="0"/>
-              <a:t>鉴权与认证 </a:t>
-            </a:r>
-            <a:r>
-              <a:rPr lang="en-US" altLang="zh-CN" dirty="0"/>
-              <a:t>session</a:t>
-            </a:r>
-            <a:r>
-              <a:rPr lang="zh-CN" altLang="en-US" dirty="0"/>
-              <a:t>与</a:t>
-            </a:r>
-            <a:r>
-              <a:rPr lang="en-US" altLang="zh-CN" dirty="0"/>
-              <a:t>token</a:t>
-            </a:r>
-            <a:endParaRPr lang="zh-CN" altLang="en-US" dirty="0"/>
+              <a:t>认证与授权</a:t>
+            </a:r>
           </a:p>
         </p:txBody>
       </p:sp>
@@ -2254,7 +2244,7 @@
           <p:cNvPr id="3" name="内容占位符 2">
             <a:extLst>
               <a:ext uri="{FF2B5EF4-FFF2-40B4-BE49-F238E27FC236}">
-                <a16:creationId xmlns:a16="http://schemas.microsoft.com/office/drawing/2014/main" id="{C4947F0F-37CC-4560-9B7C-0E41044E4BE7}"/>
+                <a16:creationId xmlns:a16="http://schemas.microsoft.com/office/drawing/2014/main" id="{ED9F5BE7-35B8-4080-9DD7-042015F4D4B4}"/>
               </a:ext>
             </a:extLst>
           </p:cNvPr>
@@ -2267,61 +2257,70 @@
         </p:nvSpPr>
         <p:spPr/>
         <p:txBody>
-          <a:bodyPr/>
+          <a:bodyPr>
+            <a:normAutofit/>
+          </a:bodyPr>
           <a:lstStyle/>
           <a:p>
             <a:r>
-              <a:rPr lang="en-US" altLang="zh-CN" dirty="0"/>
-              <a:t>http</a:t>
-            </a:r>
-            <a:r>
-              <a:rPr lang="zh-CN" altLang="en-US" dirty="0"/>
-              <a:t>：无状态</a:t>
+              <a:rPr lang="zh-CN" altLang="en-US" dirty="0"/>
+              <a:t>认证（</a:t>
+            </a:r>
+            <a:r>
+              <a:rPr lang="en-US" altLang="zh-CN" dirty="0"/>
+              <a:t>Authentication</a:t>
+            </a:r>
+            <a:r>
+              <a:rPr lang="zh-CN" altLang="en-US" dirty="0"/>
+              <a:t>）：</a:t>
             </a:r>
             <a:endParaRPr lang="en-US" altLang="zh-CN" dirty="0"/>
           </a:p>
           <a:p>
-            <a:r>
-              <a:rPr lang="zh-CN" altLang="en-US" dirty="0"/>
-              <a:t>需要一定的身份验证机制</a:t>
+            <a:pPr marL="265112" lvl="1" indent="0">
+              <a:buNone/>
+            </a:pPr>
+            <a:r>
+              <a:rPr lang="zh-CN" altLang="en-US" dirty="0"/>
+              <a:t>验证当前用户的身份，证明“你是你自己”（比如：你每天上下班打卡，都需要通过指纹打卡，当你的指纹和系统里录入的指纹相匹配时，就打卡成功），比如互联网中的认证：用户密码登录，邮箱发送登录链接，手机号接受验证码，只要你能收到邮件或者验证码就默认你是主人。</a:t>
             </a:r>
             <a:endParaRPr lang="en-US" altLang="zh-CN" dirty="0"/>
           </a:p>
           <a:p>
             <a:r>
-              <a:rPr lang="en-US" altLang="zh-CN" dirty="0"/>
-              <a:t>session</a:t>
-            </a:r>
-            <a:r>
-              <a:rPr lang="zh-CN" altLang="en-US" dirty="0"/>
-              <a:t>：服务器维护数据，客户端维护</a:t>
-            </a:r>
-            <a:r>
-              <a:rPr lang="en-US" altLang="zh-CN" dirty="0" err="1"/>
-              <a:t>sessionId</a:t>
-            </a:r>
-            <a:endParaRPr lang="en-US" altLang="zh-CN" dirty="0"/>
-          </a:p>
-          <a:p>
-            <a:r>
-              <a:rPr lang="en-US" altLang="zh-CN" dirty="0"/>
-              <a:t>token</a:t>
-            </a:r>
-            <a:r>
-              <a:rPr lang="zh-CN" altLang="en-US" dirty="0"/>
-              <a:t>：客户端维护数据，服务器进行校验</a:t>
-            </a:r>
-            <a:endParaRPr lang="en-US" altLang="zh-CN" dirty="0"/>
-          </a:p>
-          <a:p>
-            <a:endParaRPr lang="zh-CN" altLang="en-US" dirty="0"/>
+              <a:rPr lang="zh-CN" altLang="en-US" dirty="0"/>
+              <a:t>授权（</a:t>
+            </a:r>
+            <a:r>
+              <a:rPr lang="en-US" altLang="zh-CN" dirty="0"/>
+              <a:t>Authorization</a:t>
+            </a:r>
+            <a:r>
+              <a:rPr lang="zh-CN" altLang="en-US" dirty="0"/>
+              <a:t>）：</a:t>
+            </a:r>
+            <a:br>
+              <a:rPr lang="zh-CN" altLang="en-US" dirty="0"/>
+            </a:br>
+            <a:r>
+              <a:rPr lang="zh-CN" altLang="en-US" sz="1800" dirty="0"/>
+              <a:t>用户授予第三方应用访问该用户某些资源的权限就是授权。打个比方：你在安装手机应用的时候，</a:t>
+            </a:r>
+            <a:r>
+              <a:rPr lang="en-US" altLang="zh-CN" sz="1800" dirty="0"/>
+              <a:t>APP </a:t>
+            </a:r>
+            <a:r>
+              <a:rPr lang="zh-CN" altLang="en-US" sz="1800" dirty="0"/>
+              <a:t>会询问是否允许授予权限（访问相册、地理位置等权限），你在访问微信小程序时，当登录时，小程序会询问是否允许授予权限（获取昵称、头像、地区、性别等个人信息）等</a:t>
+            </a:r>
           </a:p>
         </p:txBody>
       </p:sp>
     </p:spTree>
     <p:extLst>
       <p:ext uri="{BB962C8B-B14F-4D97-AF65-F5344CB8AC3E}">
-        <p14:creationId xmlns:p14="http://schemas.microsoft.com/office/powerpoint/2010/main" val="2091241122"/>
+        <p14:creationId xmlns:p14="http://schemas.microsoft.com/office/powerpoint/2010/main" val="1711169846"/>
       </p:ext>
     </p:extLst>
   </p:cSld>
@@ -2353,6 +2352,539 @@
           <p:cNvPr id="2" name="标题 1">
             <a:extLst>
               <a:ext uri="{FF2B5EF4-FFF2-40B4-BE49-F238E27FC236}">
+                <a16:creationId xmlns:a16="http://schemas.microsoft.com/office/drawing/2014/main" id="{971F9DB9-191A-499B-9254-AD6E17F60DE0}"/>
+              </a:ext>
+            </a:extLst>
+          </p:cNvPr>
+          <p:cNvSpPr>
+            <a:spLocks noGrp="1"/>
+          </p:cNvSpPr>
+          <p:nvPr>
+            <p:ph type="title"/>
+          </p:nvPr>
+        </p:nvSpPr>
+        <p:spPr>
+          <a:xfrm>
+            <a:off x="464199" y="369772"/>
+            <a:ext cx="8215604" cy="844550"/>
+          </a:xfrm>
+        </p:spPr>
+        <p:txBody>
+          <a:bodyPr/>
+          <a:lstStyle/>
+          <a:p>
+            <a:r>
+              <a:rPr lang="en-US" altLang="zh-CN" dirty="0"/>
+              <a:t>what is cookie</a:t>
+            </a:r>
+            <a:r>
+              <a:rPr lang="zh-CN" altLang="en-US" dirty="0"/>
+              <a:t>？</a:t>
+            </a:r>
+          </a:p>
+        </p:txBody>
+      </p:sp>
+      <p:sp>
+        <p:nvSpPr>
+          <p:cNvPr id="3" name="内容占位符 2">
+            <a:extLst>
+              <a:ext uri="{FF2B5EF4-FFF2-40B4-BE49-F238E27FC236}">
+                <a16:creationId xmlns:a16="http://schemas.microsoft.com/office/drawing/2014/main" id="{3AACB5B9-14DA-48E2-85F3-3A7BCA135587}"/>
+              </a:ext>
+            </a:extLst>
+          </p:cNvPr>
+          <p:cNvSpPr>
+            <a:spLocks noGrp="1"/>
+          </p:cNvSpPr>
+          <p:nvPr>
+            <p:ph idx="1"/>
+          </p:nvPr>
+        </p:nvSpPr>
+        <p:spPr/>
+        <p:txBody>
+          <a:bodyPr/>
+          <a:lstStyle/>
+          <a:p>
+            <a:r>
+              <a:rPr lang="en-US" altLang="zh-CN" dirty="0"/>
+              <a:t>HTTP </a:t>
+            </a:r>
+            <a:r>
+              <a:rPr lang="zh-CN" altLang="en-US" dirty="0"/>
+              <a:t>是无状态的协议（对于事务处理没有记忆能力，每次客户端和服务端会话完成时，服务端不会保存任何会话信息）：每个请求都是完全独立的，服务端无法确认当前访问者的身份信息，无法分辨上一次的请求发送者和这一次的发送者是不是同一个人</a:t>
+            </a:r>
+            <a:endParaRPr lang="en-US" altLang="zh-CN" dirty="0"/>
+          </a:p>
+          <a:p>
+            <a:r>
+              <a:rPr lang="en-US" altLang="zh-CN" dirty="0"/>
+              <a:t>cookie </a:t>
+            </a:r>
+            <a:r>
+              <a:rPr lang="zh-CN" altLang="en-US" dirty="0"/>
+              <a:t>存储在客户端： </a:t>
+            </a:r>
+            <a:r>
+              <a:rPr lang="en-US" altLang="zh-CN" dirty="0"/>
+              <a:t>cookie </a:t>
+            </a:r>
+            <a:r>
+              <a:rPr lang="zh-CN" altLang="en-US" dirty="0"/>
+              <a:t>是服务器发送到用户浏览器并保存在本地的一小块数据。当网页要发</a:t>
+            </a:r>
+            <a:r>
+              <a:rPr lang="en-US" altLang="zh-CN" dirty="0"/>
+              <a:t>http</a:t>
+            </a:r>
+            <a:r>
+              <a:rPr lang="zh-CN" altLang="en-US" dirty="0"/>
+              <a:t>请求时，浏览器会先检查是否有相应的</a:t>
+            </a:r>
+            <a:r>
+              <a:rPr lang="en-US" altLang="zh-CN" dirty="0"/>
+              <a:t>cookie</a:t>
+            </a:r>
+            <a:r>
+              <a:rPr lang="zh-CN" altLang="en-US" dirty="0"/>
+              <a:t>，有则自动添加在</a:t>
+            </a:r>
+            <a:r>
+              <a:rPr lang="en-US" altLang="zh-CN" dirty="0"/>
+              <a:t>request header</a:t>
+            </a:r>
+            <a:r>
+              <a:rPr lang="zh-CN" altLang="en-US" dirty="0"/>
+              <a:t>中的</a:t>
+            </a:r>
+            <a:r>
+              <a:rPr lang="en-US" altLang="zh-CN" dirty="0"/>
+              <a:t>cookie</a:t>
+            </a:r>
+            <a:r>
+              <a:rPr lang="zh-CN" altLang="en-US" dirty="0"/>
+              <a:t>字段中。</a:t>
+            </a:r>
+          </a:p>
+        </p:txBody>
+      </p:sp>
+    </p:spTree>
+    <p:extLst>
+      <p:ext uri="{BB962C8B-B14F-4D97-AF65-F5344CB8AC3E}">
+        <p14:creationId xmlns:p14="http://schemas.microsoft.com/office/powerpoint/2010/main" val="2481562689"/>
+      </p:ext>
+    </p:extLst>
+  </p:cSld>
+  <p:clrMapOvr>
+    <a:masterClrMapping/>
+  </p:clrMapOvr>
+</p:sld>
+</file>
+
+<file path=ppt/slides/slide13.xml><?xml version="1.0" encoding="utf-8"?>
+<p:sld xmlns:a="http://schemas.openxmlformats.org/drawingml/2006/main" xmlns:r="http://schemas.openxmlformats.org/officeDocument/2006/relationships" xmlns:p="http://schemas.openxmlformats.org/presentationml/2006/main">
+  <p:cSld>
+    <p:spTree>
+      <p:nvGrpSpPr>
+        <p:cNvPr id="1" name=""/>
+        <p:cNvGrpSpPr/>
+        <p:nvPr/>
+      </p:nvGrpSpPr>
+      <p:grpSpPr>
+        <a:xfrm>
+          <a:off x="0" y="0"/>
+          <a:ext cx="0" cy="0"/>
+          <a:chOff x="0" y="0"/>
+          <a:chExt cx="0" cy="0"/>
+        </a:xfrm>
+      </p:grpSpPr>
+      <p:sp>
+        <p:nvSpPr>
+          <p:cNvPr id="2" name="标题 1">
+            <a:extLst>
+              <a:ext uri="{FF2B5EF4-FFF2-40B4-BE49-F238E27FC236}">
+                <a16:creationId xmlns:a16="http://schemas.microsoft.com/office/drawing/2014/main" id="{DD969196-6FE3-4879-A3BC-7010C43D1A17}"/>
+              </a:ext>
+            </a:extLst>
+          </p:cNvPr>
+          <p:cNvSpPr>
+            <a:spLocks noGrp="1"/>
+          </p:cNvSpPr>
+          <p:nvPr>
+            <p:ph type="title"/>
+          </p:nvPr>
+        </p:nvSpPr>
+        <p:spPr/>
+        <p:txBody>
+          <a:bodyPr/>
+          <a:lstStyle/>
+          <a:p>
+            <a:r>
+              <a:rPr lang="en-US" altLang="zh-CN" dirty="0"/>
+              <a:t>cookie</a:t>
+            </a:r>
+            <a:r>
+              <a:rPr lang="zh-CN" altLang="en-US" dirty="0"/>
+              <a:t>的属性</a:t>
+            </a:r>
+          </a:p>
+        </p:txBody>
+      </p:sp>
+      <p:sp>
+        <p:nvSpPr>
+          <p:cNvPr id="3" name="内容占位符 2">
+            <a:extLst>
+              <a:ext uri="{FF2B5EF4-FFF2-40B4-BE49-F238E27FC236}">
+                <a16:creationId xmlns:a16="http://schemas.microsoft.com/office/drawing/2014/main" id="{A848FC22-C7A4-4539-B811-C27B08C2EDEE}"/>
+              </a:ext>
+            </a:extLst>
+          </p:cNvPr>
+          <p:cNvSpPr>
+            <a:spLocks noGrp="1"/>
+          </p:cNvSpPr>
+          <p:nvPr>
+            <p:ph idx="1"/>
+          </p:nvPr>
+        </p:nvSpPr>
+        <p:spPr/>
+        <p:txBody>
+          <a:bodyPr>
+            <a:normAutofit fontScale="92500" lnSpcReduction="10000"/>
+          </a:bodyPr>
+          <a:lstStyle/>
+          <a:p>
+            <a:r>
+              <a:rPr lang="en-US" altLang="zh-CN" dirty="0"/>
+              <a:t>cookie</a:t>
+            </a:r>
+            <a:r>
+              <a:rPr lang="zh-CN" altLang="en-US" dirty="0"/>
+              <a:t>选项包括：</a:t>
+            </a:r>
+            <a:r>
+              <a:rPr lang="en-US" altLang="zh-CN" dirty="0"/>
+              <a:t>expires(</a:t>
+            </a:r>
+            <a:r>
+              <a:rPr lang="zh-CN" altLang="en-US" dirty="0"/>
+              <a:t>过期时间</a:t>
+            </a:r>
+            <a:r>
+              <a:rPr lang="en-US" altLang="zh-CN" dirty="0"/>
+              <a:t>)</a:t>
+            </a:r>
+            <a:r>
+              <a:rPr lang="zh-CN" altLang="en-US" dirty="0"/>
+              <a:t>、</a:t>
+            </a:r>
+            <a:r>
+              <a:rPr lang="en-US" altLang="zh-CN" dirty="0"/>
+              <a:t>domain(</a:t>
+            </a:r>
+            <a:r>
+              <a:rPr lang="zh-CN" altLang="en-US" dirty="0"/>
+              <a:t>域</a:t>
+            </a:r>
+            <a:r>
+              <a:rPr lang="en-US" altLang="zh-CN" dirty="0"/>
+              <a:t>)</a:t>
+            </a:r>
+            <a:r>
+              <a:rPr lang="zh-CN" altLang="en-US" dirty="0"/>
+              <a:t>、</a:t>
+            </a:r>
+            <a:r>
+              <a:rPr lang="en-US" altLang="zh-CN" dirty="0"/>
+              <a:t>path(</a:t>
+            </a:r>
+            <a:r>
+              <a:rPr lang="zh-CN" altLang="en-US" dirty="0"/>
+              <a:t>页面路径</a:t>
+            </a:r>
+            <a:r>
+              <a:rPr lang="en-US" altLang="zh-CN" dirty="0"/>
+              <a:t>)</a:t>
+            </a:r>
+            <a:r>
+              <a:rPr lang="zh-CN" altLang="en-US" dirty="0"/>
+              <a:t>、</a:t>
+            </a:r>
+            <a:r>
+              <a:rPr lang="en-US" altLang="zh-CN" dirty="0"/>
+              <a:t>secure</a:t>
+            </a:r>
+            <a:r>
+              <a:rPr lang="zh-CN" altLang="en-US" dirty="0"/>
+              <a:t>、</a:t>
+            </a:r>
+            <a:r>
+              <a:rPr lang="en-US" altLang="zh-CN" dirty="0" err="1"/>
+              <a:t>HttpOnly</a:t>
+            </a:r>
+            <a:r>
+              <a:rPr lang="zh-CN" altLang="en-US" dirty="0"/>
+              <a:t>。在设置任一个</a:t>
+            </a:r>
+            <a:r>
+              <a:rPr lang="en-US" altLang="zh-CN" dirty="0"/>
+              <a:t>cookie</a:t>
+            </a:r>
+            <a:r>
+              <a:rPr lang="zh-CN" altLang="en-US" dirty="0"/>
+              <a:t>时都可以设置相关的这些属性，当然也可以不设置，这时会使用这些属性的默认值。在设置这些属性时，属性之间由一个分号和一个空格隔开。代码示例如下：</a:t>
+            </a:r>
+            <a:endParaRPr lang="en-US" altLang="zh-CN" dirty="0"/>
+          </a:p>
+          <a:p>
+            <a:endParaRPr lang="en-US" altLang="zh-CN" dirty="0"/>
+          </a:p>
+          <a:p>
+            <a:endParaRPr lang="en-US" altLang="zh-CN" dirty="0"/>
+          </a:p>
+          <a:p>
+            <a:endParaRPr lang="en-US" altLang="zh-CN" dirty="0"/>
+          </a:p>
+          <a:p>
+            <a:r>
+              <a:rPr lang="en-US" altLang="zh-CN" dirty="0"/>
+              <a:t>cookie </a:t>
+            </a:r>
+            <a:r>
+              <a:rPr lang="zh-CN" altLang="en-US" dirty="0"/>
+              <a:t>是不可跨域的： 每个 </a:t>
+            </a:r>
+            <a:r>
+              <a:rPr lang="en-US" altLang="zh-CN" dirty="0"/>
+              <a:t>cookie </a:t>
+            </a:r>
+            <a:r>
+              <a:rPr lang="zh-CN" altLang="en-US" dirty="0"/>
+              <a:t>都会绑定单一的域名，无法在别的域名下获取使用，一级域名和二级域名之间是允许共享使用的（靠的是 </a:t>
+            </a:r>
+            <a:r>
+              <a:rPr lang="en-US" altLang="zh-CN" dirty="0"/>
+              <a:t>domain</a:t>
+            </a:r>
+            <a:r>
+              <a:rPr lang="zh-CN" altLang="en-US" dirty="0"/>
+              <a:t>）。</a:t>
+            </a:r>
+          </a:p>
+          <a:p>
+            <a:br>
+              <a:rPr lang="zh-CN" altLang="en-US" dirty="0"/>
+            </a:br>
+            <a:endParaRPr lang="en-US" altLang="zh-CN" dirty="0"/>
+          </a:p>
+          <a:p>
+            <a:endParaRPr lang="zh-CN" altLang="en-US" dirty="0"/>
+          </a:p>
+        </p:txBody>
+      </p:sp>
+      <p:pic>
+        <p:nvPicPr>
+          <p:cNvPr id="5" name="图片 4">
+            <a:extLst>
+              <a:ext uri="{FF2B5EF4-FFF2-40B4-BE49-F238E27FC236}">
+                <a16:creationId xmlns:a16="http://schemas.microsoft.com/office/drawing/2014/main" id="{6AEA6958-1346-4651-9516-D17CAA4AE3C4}"/>
+              </a:ext>
+            </a:extLst>
+          </p:cNvPr>
+          <p:cNvPicPr>
+            <a:picLocks noChangeAspect="1"/>
+          </p:cNvPicPr>
+          <p:nvPr/>
+        </p:nvPicPr>
+        <p:blipFill>
+          <a:blip r:embed="rId2"/>
+          <a:stretch>
+            <a:fillRect/>
+          </a:stretch>
+        </p:blipFill>
+        <p:spPr>
+          <a:xfrm>
+            <a:off x="0" y="3160750"/>
+            <a:ext cx="9144000" cy="831272"/>
+          </a:xfrm>
+          <a:prstGeom prst="rect">
+            <a:avLst/>
+          </a:prstGeom>
+        </p:spPr>
+      </p:pic>
+    </p:spTree>
+    <p:extLst>
+      <p:ext uri="{BB962C8B-B14F-4D97-AF65-F5344CB8AC3E}">
+        <p14:creationId xmlns:p14="http://schemas.microsoft.com/office/powerpoint/2010/main" val="3084454446"/>
+      </p:ext>
+    </p:extLst>
+  </p:cSld>
+  <p:clrMapOvr>
+    <a:masterClrMapping/>
+  </p:clrMapOvr>
+</p:sld>
+</file>
+
+<file path=ppt/slides/slide14.xml><?xml version="1.0" encoding="utf-8"?>
+<p:sld xmlns:a="http://schemas.openxmlformats.org/drawingml/2006/main" xmlns:r="http://schemas.openxmlformats.org/officeDocument/2006/relationships" xmlns:p="http://schemas.openxmlformats.org/presentationml/2006/main">
+  <p:cSld>
+    <p:spTree>
+      <p:nvGrpSpPr>
+        <p:cNvPr id="1" name=""/>
+        <p:cNvGrpSpPr/>
+        <p:nvPr/>
+      </p:nvGrpSpPr>
+      <p:grpSpPr>
+        <a:xfrm>
+          <a:off x="0" y="0"/>
+          <a:ext cx="0" cy="0"/>
+          <a:chOff x="0" y="0"/>
+          <a:chExt cx="0" cy="0"/>
+        </a:xfrm>
+      </p:grpSpPr>
+      <p:sp>
+        <p:nvSpPr>
+          <p:cNvPr id="2" name="标题 1">
+            <a:extLst>
+              <a:ext uri="{FF2B5EF4-FFF2-40B4-BE49-F238E27FC236}">
+                <a16:creationId xmlns:a16="http://schemas.microsoft.com/office/drawing/2014/main" id="{D824BBD7-CA66-4CE6-81C4-65D7BD6D6D48}"/>
+              </a:ext>
+            </a:extLst>
+          </p:cNvPr>
+          <p:cNvSpPr>
+            <a:spLocks noGrp="1"/>
+          </p:cNvSpPr>
+          <p:nvPr>
+            <p:ph type="title"/>
+          </p:nvPr>
+        </p:nvSpPr>
+        <p:spPr/>
+        <p:txBody>
+          <a:bodyPr/>
+          <a:lstStyle/>
+          <a:p>
+            <a:r>
+              <a:rPr lang="zh-CN" altLang="en-US" dirty="0"/>
+              <a:t>认证与鉴权</a:t>
+            </a:r>
+            <a:r>
+              <a:rPr lang="en-US" altLang="zh-CN" dirty="0"/>
+              <a:t>session cookie</a:t>
+            </a:r>
+            <a:r>
+              <a:rPr lang="zh-CN" altLang="en-US" dirty="0"/>
+              <a:t>与</a:t>
+            </a:r>
+            <a:r>
+              <a:rPr lang="en-US" altLang="zh-CN" dirty="0"/>
+              <a:t>token</a:t>
+            </a:r>
+            <a:endParaRPr lang="zh-CN" altLang="en-US" dirty="0"/>
+          </a:p>
+        </p:txBody>
+      </p:sp>
+      <p:sp>
+        <p:nvSpPr>
+          <p:cNvPr id="3" name="内容占位符 2">
+            <a:extLst>
+              <a:ext uri="{FF2B5EF4-FFF2-40B4-BE49-F238E27FC236}">
+                <a16:creationId xmlns:a16="http://schemas.microsoft.com/office/drawing/2014/main" id="{C4947F0F-37CC-4560-9B7C-0E41044E4BE7}"/>
+              </a:ext>
+            </a:extLst>
+          </p:cNvPr>
+          <p:cNvSpPr>
+            <a:spLocks noGrp="1"/>
+          </p:cNvSpPr>
+          <p:nvPr>
+            <p:ph idx="1"/>
+          </p:nvPr>
+        </p:nvSpPr>
+        <p:spPr/>
+        <p:txBody>
+          <a:bodyPr/>
+          <a:lstStyle/>
+          <a:p>
+            <a:r>
+              <a:rPr lang="en-US" altLang="zh-CN" dirty="0"/>
+              <a:t>http</a:t>
+            </a:r>
+            <a:r>
+              <a:rPr lang="zh-CN" altLang="en-US" dirty="0"/>
+              <a:t>：无状态</a:t>
+            </a:r>
+            <a:endParaRPr lang="en-US" altLang="zh-CN" dirty="0"/>
+          </a:p>
+          <a:p>
+            <a:r>
+              <a:rPr lang="zh-CN" altLang="en-US" dirty="0"/>
+              <a:t>需要一定的身份验证机制</a:t>
+            </a:r>
+            <a:endParaRPr lang="en-US" altLang="zh-CN" dirty="0"/>
+          </a:p>
+          <a:p>
+            <a:r>
+              <a:rPr lang="en-US" altLang="zh-CN" dirty="0"/>
+              <a:t>session</a:t>
+            </a:r>
+            <a:r>
+              <a:rPr lang="zh-CN" altLang="en-US" dirty="0"/>
+              <a:t>：服务器维护数据，客户端维护</a:t>
+            </a:r>
+            <a:r>
+              <a:rPr lang="en-US" altLang="zh-CN" dirty="0" err="1"/>
+              <a:t>sessionId</a:t>
+            </a:r>
+            <a:endParaRPr lang="en-US" altLang="zh-CN" dirty="0"/>
+          </a:p>
+          <a:p>
+            <a:r>
+              <a:rPr lang="en-US" altLang="zh-CN" dirty="0"/>
+              <a:t>token</a:t>
+            </a:r>
+            <a:r>
+              <a:rPr lang="zh-CN" altLang="en-US" dirty="0"/>
+              <a:t>：客户端维护数据，服务器进行校验</a:t>
+            </a:r>
+            <a:endParaRPr lang="en-US" altLang="zh-CN" dirty="0"/>
+          </a:p>
+          <a:p>
+            <a:endParaRPr lang="zh-CN" altLang="en-US" dirty="0"/>
+          </a:p>
+        </p:txBody>
+      </p:sp>
+    </p:spTree>
+    <p:extLst>
+      <p:ext uri="{BB962C8B-B14F-4D97-AF65-F5344CB8AC3E}">
+        <p14:creationId xmlns:p14="http://schemas.microsoft.com/office/powerpoint/2010/main" val="2091241122"/>
+      </p:ext>
+    </p:extLst>
+  </p:cSld>
+  <p:clrMapOvr>
+    <a:masterClrMapping/>
+  </p:clrMapOvr>
+</p:sld>
+</file>
+
+<file path=ppt/slides/slide15.xml><?xml version="1.0" encoding="utf-8"?>
+<p:sld xmlns:a="http://schemas.openxmlformats.org/drawingml/2006/main" xmlns:r="http://schemas.openxmlformats.org/officeDocument/2006/relationships" xmlns:p="http://schemas.openxmlformats.org/presentationml/2006/main">
+  <p:cSld>
+    <p:spTree>
+      <p:nvGrpSpPr>
+        <p:cNvPr id="1" name=""/>
+        <p:cNvGrpSpPr/>
+        <p:nvPr/>
+      </p:nvGrpSpPr>
+      <p:grpSpPr>
+        <a:xfrm>
+          <a:off x="0" y="0"/>
+          <a:ext cx="0" cy="0"/>
+          <a:chOff x="0" y="0"/>
+          <a:chExt cx="0" cy="0"/>
+        </a:xfrm>
+      </p:grpSpPr>
+      <p:sp>
+        <p:nvSpPr>
+          <p:cNvPr id="2" name="标题 1">
+            <a:extLst>
+              <a:ext uri="{FF2B5EF4-FFF2-40B4-BE49-F238E27FC236}">
                 <a16:creationId xmlns:a16="http://schemas.microsoft.com/office/drawing/2014/main" id="{555AADDC-69F4-4C01-B9A5-DAE38BF26BFF}"/>
               </a:ext>
             </a:extLst>
@@ -2463,7 +2995,7 @@
 </p:sld>
 </file>
 
-<file path=ppt/slides/slide13.xml><?xml version="1.0" encoding="utf-8"?>
+<file path=ppt/slides/slide16.xml><?xml version="1.0" encoding="utf-8"?>
 <p:sld xmlns:a="http://schemas.openxmlformats.org/drawingml/2006/main" xmlns:r="http://schemas.openxmlformats.org/officeDocument/2006/relationships" xmlns:p="http://schemas.openxmlformats.org/presentationml/2006/main">
   <p:cSld>
     <p:spTree>
@@ -2581,470 +3113,6 @@
 </p:sld>
 </file>
 
-<file path=ppt/slides/slide14.xml><?xml version="1.0" encoding="utf-8"?>
-<p:sld xmlns:a="http://schemas.openxmlformats.org/drawingml/2006/main" xmlns:r="http://schemas.openxmlformats.org/officeDocument/2006/relationships" xmlns:p="http://schemas.openxmlformats.org/presentationml/2006/main">
-  <p:cSld>
-    <p:spTree>
-      <p:nvGrpSpPr>
-        <p:cNvPr id="1" name=""/>
-        <p:cNvGrpSpPr/>
-        <p:nvPr/>
-      </p:nvGrpSpPr>
-      <p:grpSpPr>
-        <a:xfrm>
-          <a:off x="0" y="0"/>
-          <a:ext cx="0" cy="0"/>
-          <a:chOff x="0" y="0"/>
-          <a:chExt cx="0" cy="0"/>
-        </a:xfrm>
-      </p:grpSpPr>
-      <p:sp>
-        <p:nvSpPr>
-          <p:cNvPr id="2" name="标题 1">
-            <a:extLst>
-              <a:ext uri="{FF2B5EF4-FFF2-40B4-BE49-F238E27FC236}">
-                <a16:creationId xmlns:a16="http://schemas.microsoft.com/office/drawing/2014/main" id="{1D48180C-1AEF-4C5A-9AC9-EE83B05CADA6}"/>
-              </a:ext>
-            </a:extLst>
-          </p:cNvPr>
-          <p:cNvSpPr>
-            <a:spLocks noGrp="1"/>
-          </p:cNvSpPr>
-          <p:nvPr>
-            <p:ph type="title"/>
-          </p:nvPr>
-        </p:nvSpPr>
-        <p:spPr/>
-        <p:txBody>
-          <a:bodyPr/>
-          <a:lstStyle/>
-          <a:p>
-            <a:r>
-              <a:rPr lang="en-US" altLang="zh-CN" dirty="0"/>
-              <a:t>JWT</a:t>
-            </a:r>
-            <a:endParaRPr lang="zh-CN" altLang="en-US" dirty="0"/>
-          </a:p>
-        </p:txBody>
-      </p:sp>
-      <p:sp>
-        <p:nvSpPr>
-          <p:cNvPr id="3" name="内容占位符 2">
-            <a:extLst>
-              <a:ext uri="{FF2B5EF4-FFF2-40B4-BE49-F238E27FC236}">
-                <a16:creationId xmlns:a16="http://schemas.microsoft.com/office/drawing/2014/main" id="{FF396F30-A1FE-4FF0-AD93-86959037BED6}"/>
-              </a:ext>
-            </a:extLst>
-          </p:cNvPr>
-          <p:cNvSpPr>
-            <a:spLocks noGrp="1"/>
-          </p:cNvSpPr>
-          <p:nvPr>
-            <p:ph idx="1"/>
-          </p:nvPr>
-        </p:nvSpPr>
-        <p:spPr/>
-        <p:txBody>
-          <a:bodyPr>
-            <a:normAutofit/>
-          </a:bodyPr>
-          <a:lstStyle/>
-          <a:p>
-            <a:pPr marL="0" indent="0">
-              <a:buNone/>
-            </a:pPr>
-            <a:r>
-              <a:rPr lang="zh-CN" altLang="en-US" dirty="0"/>
-              <a:t>三部分</a:t>
-            </a:r>
-            <a:endParaRPr lang="en-US" altLang="zh-CN" dirty="0"/>
-          </a:p>
-          <a:p>
-            <a:r>
-              <a:rPr lang="en-US" altLang="zh-CN" dirty="0"/>
-              <a:t>base64UrlEncode(header)</a:t>
-            </a:r>
-          </a:p>
-          <a:p>
-            <a:r>
-              <a:rPr lang="en-US" altLang="zh-CN" dirty="0"/>
-              <a:t>base64UrlEncode(payload)</a:t>
-            </a:r>
-          </a:p>
-          <a:p>
-            <a:r>
-              <a:rPr lang="en-US" altLang="zh-CN" dirty="0"/>
-              <a:t>HMACSHA256(</a:t>
-            </a:r>
-          </a:p>
-          <a:p>
-            <a:pPr marL="0" indent="0">
-              <a:buNone/>
-            </a:pPr>
-            <a:r>
-              <a:rPr lang="en-US" altLang="zh-CN" dirty="0"/>
-              <a:t>      base64UrlEncode(header) + "." +</a:t>
-            </a:r>
-          </a:p>
-          <a:p>
-            <a:pPr marL="0" indent="0">
-              <a:buNone/>
-            </a:pPr>
-            <a:r>
-              <a:rPr lang="en-US" altLang="zh-CN" dirty="0"/>
-              <a:t>      base64UrlEncode(payload),</a:t>
-            </a:r>
-          </a:p>
-          <a:p>
-            <a:pPr marL="0" indent="0">
-              <a:buNone/>
-            </a:pPr>
-            <a:r>
-              <a:rPr lang="en-US" altLang="zh-CN" dirty="0"/>
-              <a:t>      secret</a:t>
-            </a:r>
-          </a:p>
-          <a:p>
-            <a:pPr marL="0" indent="0">
-              <a:buNone/>
-            </a:pPr>
-            <a:r>
-              <a:rPr lang="en-US" altLang="zh-CN" dirty="0"/>
-              <a:t>   )</a:t>
-            </a:r>
-          </a:p>
-          <a:p>
-            <a:endParaRPr lang="zh-CN" altLang="en-US" dirty="0"/>
-          </a:p>
-        </p:txBody>
-      </p:sp>
-    </p:spTree>
-    <p:extLst>
-      <p:ext uri="{BB962C8B-B14F-4D97-AF65-F5344CB8AC3E}">
-        <p14:creationId xmlns:p14="http://schemas.microsoft.com/office/powerpoint/2010/main" val="1289351699"/>
-      </p:ext>
-    </p:extLst>
-  </p:cSld>
-  <p:clrMapOvr>
-    <a:masterClrMapping/>
-  </p:clrMapOvr>
-</p:sld>
-</file>
-
-<file path=ppt/slides/slide15.xml><?xml version="1.0" encoding="utf-8"?>
-<p:sld xmlns:a="http://schemas.openxmlformats.org/drawingml/2006/main" xmlns:r="http://schemas.openxmlformats.org/officeDocument/2006/relationships" xmlns:p="http://schemas.openxmlformats.org/presentationml/2006/main">
-  <p:cSld>
-    <p:spTree>
-      <p:nvGrpSpPr>
-        <p:cNvPr id="1" name=""/>
-        <p:cNvGrpSpPr/>
-        <p:nvPr/>
-      </p:nvGrpSpPr>
-      <p:grpSpPr>
-        <a:xfrm>
-          <a:off x="0" y="0"/>
-          <a:ext cx="0" cy="0"/>
-          <a:chOff x="0" y="0"/>
-          <a:chExt cx="0" cy="0"/>
-        </a:xfrm>
-      </p:grpSpPr>
-      <p:sp>
-        <p:nvSpPr>
-          <p:cNvPr id="2" name="标题 1">
-            <a:extLst>
-              <a:ext uri="{FF2B5EF4-FFF2-40B4-BE49-F238E27FC236}">
-                <a16:creationId xmlns:a16="http://schemas.microsoft.com/office/drawing/2014/main" id="{EE49BE5F-72C9-4BE6-9856-0295402969F1}"/>
-              </a:ext>
-            </a:extLst>
-          </p:cNvPr>
-          <p:cNvSpPr>
-            <a:spLocks noGrp="1"/>
-          </p:cNvSpPr>
-          <p:nvPr>
-            <p:ph type="title"/>
-          </p:nvPr>
-        </p:nvSpPr>
-        <p:spPr/>
-        <p:txBody>
-          <a:bodyPr/>
-          <a:lstStyle/>
-          <a:p>
-            <a:r>
-              <a:rPr lang="zh-CN" altLang="en-US" dirty="0"/>
-              <a:t>鉴权剩下的事</a:t>
-            </a:r>
-          </a:p>
-        </p:txBody>
-      </p:sp>
-      <p:sp>
-        <p:nvSpPr>
-          <p:cNvPr id="3" name="内容占位符 2">
-            <a:extLst>
-              <a:ext uri="{FF2B5EF4-FFF2-40B4-BE49-F238E27FC236}">
-                <a16:creationId xmlns:a16="http://schemas.microsoft.com/office/drawing/2014/main" id="{F32B5B42-573B-481D-84FA-985B47D127F6}"/>
-              </a:ext>
-            </a:extLst>
-          </p:cNvPr>
-          <p:cNvSpPr>
-            <a:spLocks noGrp="1"/>
-          </p:cNvSpPr>
-          <p:nvPr>
-            <p:ph idx="1"/>
-          </p:nvPr>
-        </p:nvSpPr>
-        <p:spPr/>
-        <p:txBody>
-          <a:bodyPr/>
-          <a:lstStyle/>
-          <a:p>
-            <a:r>
-              <a:rPr lang="zh-CN" altLang="en-US" dirty="0"/>
-              <a:t>后端同学完成（）</a:t>
-            </a:r>
-          </a:p>
-        </p:txBody>
-      </p:sp>
-    </p:spTree>
-    <p:extLst>
-      <p:ext uri="{BB962C8B-B14F-4D97-AF65-F5344CB8AC3E}">
-        <p14:creationId xmlns:p14="http://schemas.microsoft.com/office/powerpoint/2010/main" val="3948286153"/>
-      </p:ext>
-    </p:extLst>
-  </p:cSld>
-  <p:clrMapOvr>
-    <a:masterClrMapping/>
-  </p:clrMapOvr>
-</p:sld>
-</file>
-
-<file path=ppt/slides/slide16.xml><?xml version="1.0" encoding="utf-8"?>
-<p:sld xmlns:a="http://schemas.openxmlformats.org/drawingml/2006/main" xmlns:r="http://schemas.openxmlformats.org/officeDocument/2006/relationships" xmlns:p="http://schemas.openxmlformats.org/presentationml/2006/main">
-  <p:cSld>
-    <p:spTree>
-      <p:nvGrpSpPr>
-        <p:cNvPr id="1" name=""/>
-        <p:cNvGrpSpPr/>
-        <p:nvPr/>
-      </p:nvGrpSpPr>
-      <p:grpSpPr>
-        <a:xfrm>
-          <a:off x="0" y="0"/>
-          <a:ext cx="0" cy="0"/>
-          <a:chOff x="0" y="0"/>
-          <a:chExt cx="0" cy="0"/>
-        </a:xfrm>
-      </p:grpSpPr>
-      <p:sp>
-        <p:nvSpPr>
-          <p:cNvPr id="2" name="标题 1">
-            <a:extLst>
-              <a:ext uri="{FF2B5EF4-FFF2-40B4-BE49-F238E27FC236}">
-                <a16:creationId xmlns:a16="http://schemas.microsoft.com/office/drawing/2014/main" id="{65D9F279-BAE5-44FF-8384-5BA0522CA1B4}"/>
-              </a:ext>
-            </a:extLst>
-          </p:cNvPr>
-          <p:cNvSpPr>
-            <a:spLocks noGrp="1"/>
-          </p:cNvSpPr>
-          <p:nvPr>
-            <p:ph type="title"/>
-          </p:nvPr>
-        </p:nvSpPr>
-        <p:spPr/>
-        <p:txBody>
-          <a:bodyPr/>
-          <a:lstStyle/>
-          <a:p>
-            <a:r>
-              <a:rPr lang="zh-CN" altLang="en-US" dirty="0"/>
-              <a:t>页面配置</a:t>
-            </a:r>
-          </a:p>
-        </p:txBody>
-      </p:sp>
-      <p:sp>
-        <p:nvSpPr>
-          <p:cNvPr id="3" name="内容占位符 2">
-            <a:extLst>
-              <a:ext uri="{FF2B5EF4-FFF2-40B4-BE49-F238E27FC236}">
-                <a16:creationId xmlns:a16="http://schemas.microsoft.com/office/drawing/2014/main" id="{2E41145E-8858-437F-8081-45288F3911FF}"/>
-              </a:ext>
-            </a:extLst>
-          </p:cNvPr>
-          <p:cNvSpPr>
-            <a:spLocks noGrp="1"/>
-          </p:cNvSpPr>
-          <p:nvPr>
-            <p:ph idx="1"/>
-          </p:nvPr>
-        </p:nvSpPr>
-        <p:spPr>
-          <a:xfrm>
-            <a:off x="464198" y="1536547"/>
-            <a:ext cx="8215604" cy="4676774"/>
-          </a:xfrm>
-        </p:spPr>
-        <p:txBody>
-          <a:bodyPr>
-            <a:normAutofit lnSpcReduction="10000"/>
-          </a:bodyPr>
-          <a:lstStyle/>
-          <a:p>
-            <a:r>
-              <a:rPr lang="en-US" altLang="zh-CN" dirty="0" err="1"/>
-              <a:t>app.json</a:t>
-            </a:r>
-            <a:r>
-              <a:rPr lang="en-US" altLang="zh-CN" dirty="0"/>
-              <a:t> </a:t>
-            </a:r>
-            <a:r>
-              <a:rPr lang="zh-CN" altLang="en-US" dirty="0"/>
-              <a:t>全局配置页面、</a:t>
-            </a:r>
-            <a:r>
-              <a:rPr lang="en-US" altLang="zh-CN" dirty="0" err="1"/>
-              <a:t>tabbar</a:t>
-            </a:r>
-            <a:r>
-              <a:rPr lang="zh-CN" altLang="en-US" dirty="0"/>
-              <a:t>、</a:t>
-            </a:r>
-            <a:r>
-              <a:rPr lang="en-US" altLang="zh-CN" dirty="0"/>
-              <a:t>sitemap</a:t>
-            </a:r>
-          </a:p>
-          <a:p>
-            <a:r>
-              <a:rPr lang="en-US" altLang="zh-CN" dirty="0" err="1"/>
-              <a:t>sitemap.json</a:t>
-            </a:r>
-            <a:r>
-              <a:rPr lang="en-US" altLang="zh-CN" dirty="0"/>
-              <a:t> </a:t>
-            </a:r>
-            <a:r>
-              <a:rPr lang="zh-CN" altLang="en-US" dirty="0"/>
-              <a:t>微信爬虫的收录规则，了解即可</a:t>
-            </a:r>
-            <a:endParaRPr lang="en-US" altLang="zh-CN" dirty="0"/>
-          </a:p>
-          <a:p>
-            <a:r>
-              <a:rPr lang="en-US" altLang="zh-CN" dirty="0" err="1"/>
-              <a:t>app.wxss</a:t>
-            </a:r>
-            <a:r>
-              <a:rPr lang="zh-CN" altLang="en-US" dirty="0"/>
-              <a:t>全局</a:t>
-            </a:r>
-            <a:r>
-              <a:rPr lang="en-US" altLang="zh-CN" dirty="0" err="1"/>
-              <a:t>css</a:t>
-            </a:r>
-            <a:r>
-              <a:rPr lang="zh-CN" altLang="en-US" dirty="0"/>
-              <a:t>配置</a:t>
-            </a:r>
-            <a:endParaRPr lang="en-US" altLang="zh-CN" dirty="0"/>
-          </a:p>
-          <a:p>
-            <a:r>
-              <a:rPr lang="en-US" altLang="zh-CN" dirty="0"/>
-              <a:t>app.js </a:t>
-            </a:r>
-            <a:r>
-              <a:rPr lang="zh-CN" altLang="en-US" dirty="0"/>
-              <a:t>全局入口</a:t>
-            </a:r>
-            <a:endParaRPr lang="en-US" altLang="zh-CN" dirty="0"/>
-          </a:p>
-          <a:p>
-            <a:endParaRPr lang="en-US" altLang="zh-CN" dirty="0"/>
-          </a:p>
-          <a:p>
-            <a:r>
-              <a:rPr lang="zh-CN" altLang="en-US" dirty="0"/>
-              <a:t>单个页面的配置：</a:t>
-            </a:r>
-            <a:endParaRPr lang="en-US" altLang="zh-CN" dirty="0"/>
-          </a:p>
-          <a:p>
-            <a:r>
-              <a:rPr lang="en-US" altLang="zh-CN" dirty="0"/>
-              <a:t> </a:t>
-            </a:r>
-            <a:r>
-              <a:rPr lang="en-US" altLang="zh-CN" dirty="0" err="1"/>
-              <a:t>xxx.wxml</a:t>
-            </a:r>
-            <a:r>
-              <a:rPr lang="en-US" altLang="zh-CN" dirty="0"/>
-              <a:t> </a:t>
-            </a:r>
-            <a:r>
-              <a:rPr lang="zh-CN" altLang="en-US" dirty="0"/>
-              <a:t>页面内容</a:t>
-            </a:r>
-            <a:endParaRPr lang="en-US" altLang="zh-CN" dirty="0"/>
-          </a:p>
-          <a:p>
-            <a:r>
-              <a:rPr lang="en-US" altLang="zh-CN" dirty="0" err="1"/>
-              <a:t>xxx.wxss</a:t>
-            </a:r>
-            <a:r>
-              <a:rPr lang="en-US" altLang="zh-CN" dirty="0"/>
-              <a:t> </a:t>
-            </a:r>
-            <a:r>
-              <a:rPr lang="zh-CN" altLang="en-US" dirty="0"/>
-              <a:t>页面样式</a:t>
-            </a:r>
-            <a:endParaRPr lang="en-US" altLang="zh-CN" dirty="0"/>
-          </a:p>
-          <a:p>
-            <a:r>
-              <a:rPr lang="en-US" altLang="zh-CN" dirty="0"/>
-              <a:t>xxx.js </a:t>
-            </a:r>
-            <a:r>
-              <a:rPr lang="zh-CN" altLang="en-US" dirty="0"/>
-              <a:t>页面逻辑</a:t>
-            </a:r>
-            <a:endParaRPr lang="en-US" altLang="zh-CN" dirty="0"/>
-          </a:p>
-          <a:p>
-            <a:r>
-              <a:rPr lang="en-US" altLang="zh-CN" dirty="0" err="1"/>
-              <a:t>xxx.json</a:t>
-            </a:r>
-            <a:r>
-              <a:rPr lang="en-US" altLang="zh-CN" dirty="0"/>
-              <a:t> </a:t>
-            </a:r>
-            <a:r>
-              <a:rPr lang="zh-CN" altLang="en-US" dirty="0"/>
-              <a:t>页面额外引用内容配置</a:t>
-            </a:r>
-            <a:endParaRPr lang="en-US" altLang="zh-CN" dirty="0"/>
-          </a:p>
-        </p:txBody>
-      </p:sp>
-    </p:spTree>
-    <p:extLst>
-      <p:ext uri="{BB962C8B-B14F-4D97-AF65-F5344CB8AC3E}">
-        <p14:creationId xmlns:p14="http://schemas.microsoft.com/office/powerpoint/2010/main" val="1174301645"/>
-      </p:ext>
-    </p:extLst>
-  </p:cSld>
-  <p:clrMapOvr>
-    <a:masterClrMapping/>
-  </p:clrMapOvr>
-</p:sld>
-</file>
-
 <file path=ppt/slides/slide17.xml><?xml version="1.0" encoding="utf-8"?>
 <p:sld xmlns:a="http://schemas.openxmlformats.org/drawingml/2006/main" xmlns:r="http://schemas.openxmlformats.org/officeDocument/2006/relationships" xmlns:p="http://schemas.openxmlformats.org/presentationml/2006/main">
   <p:cSld>
@@ -3067,7 +3135,7 @@
           <p:cNvPr id="2" name="标题 1">
             <a:extLst>
               <a:ext uri="{FF2B5EF4-FFF2-40B4-BE49-F238E27FC236}">
-                <a16:creationId xmlns:a16="http://schemas.microsoft.com/office/drawing/2014/main" id="{37780B85-A8C3-4625-A2C1-A3E5A4D263D5}"/>
+                <a16:creationId xmlns:a16="http://schemas.microsoft.com/office/drawing/2014/main" id="{1D48180C-1AEF-4C5A-9AC9-EE83B05CADA6}"/>
               </a:ext>
             </a:extLst>
           </p:cNvPr>
@@ -3084,17 +3152,10 @@
           <a:lstStyle/>
           <a:p>
             <a:r>
-              <a:rPr lang="zh-CN" altLang="en-US" dirty="0"/>
-              <a:t>教练我想用</a:t>
-            </a:r>
-            <a:r>
-              <a:rPr lang="en-US" altLang="zh-CN" dirty="0" err="1"/>
-              <a:t>vscode</a:t>
-            </a:r>
-            <a:r>
-              <a:rPr lang="zh-CN" altLang="en-US" dirty="0"/>
-              <a:t>的插件</a:t>
-            </a:r>
+              <a:rPr lang="en-US" altLang="zh-CN" dirty="0"/>
+              <a:t>JWT</a:t>
+            </a:r>
+            <a:endParaRPr lang="zh-CN" altLang="en-US" dirty="0"/>
           </a:p>
         </p:txBody>
       </p:sp>
@@ -3103,7 +3164,7 @@
           <p:cNvPr id="3" name="内容占位符 2">
             <a:extLst>
               <a:ext uri="{FF2B5EF4-FFF2-40B4-BE49-F238E27FC236}">
-                <a16:creationId xmlns:a16="http://schemas.microsoft.com/office/drawing/2014/main" id="{7B9B31FF-57B3-4E24-A4ED-A0E57297BDD9}"/>
+                <a16:creationId xmlns:a16="http://schemas.microsoft.com/office/drawing/2014/main" id="{FF396F30-A1FE-4FF0-AD93-86959037BED6}"/>
               </a:ext>
             </a:extLst>
           </p:cNvPr>
@@ -3116,17 +3177,75 @@
         </p:nvSpPr>
         <p:spPr/>
         <p:txBody>
-          <a:bodyPr/>
+          <a:bodyPr>
+            <a:normAutofit/>
+          </a:bodyPr>
           <a:lstStyle/>
           <a:p>
-            <a:r>
-              <a:rPr lang="zh-CN" altLang="en-US" dirty="0"/>
-              <a:t>查看 如何使用插件</a:t>
-            </a:r>
-            <a:r>
-              <a:rPr lang="en-US" altLang="zh-CN" dirty="0"/>
-              <a:t>.md</a:t>
-            </a:r>
+            <a:pPr marL="0" indent="0">
+              <a:buNone/>
+            </a:pPr>
+            <a:r>
+              <a:rPr lang="zh-CN" altLang="en-US" dirty="0"/>
+              <a:t>三部分</a:t>
+            </a:r>
+            <a:endParaRPr lang="en-US" altLang="zh-CN" dirty="0"/>
+          </a:p>
+          <a:p>
+            <a:r>
+              <a:rPr lang="en-US" altLang="zh-CN" dirty="0"/>
+              <a:t>base64UrlEncode(header)</a:t>
+            </a:r>
+          </a:p>
+          <a:p>
+            <a:r>
+              <a:rPr lang="en-US" altLang="zh-CN" dirty="0"/>
+              <a:t>base64UrlEncode(payload)</a:t>
+            </a:r>
+          </a:p>
+          <a:p>
+            <a:r>
+              <a:rPr lang="en-US" altLang="zh-CN" dirty="0"/>
+              <a:t>HMACSHA256(</a:t>
+            </a:r>
+          </a:p>
+          <a:p>
+            <a:pPr marL="0" indent="0">
+              <a:buNone/>
+            </a:pPr>
+            <a:r>
+              <a:rPr lang="en-US" altLang="zh-CN" dirty="0"/>
+              <a:t>      base64UrlEncode(header) + "." +</a:t>
+            </a:r>
+          </a:p>
+          <a:p>
+            <a:pPr marL="0" indent="0">
+              <a:buNone/>
+            </a:pPr>
+            <a:r>
+              <a:rPr lang="en-US" altLang="zh-CN" dirty="0"/>
+              <a:t>      base64UrlEncode(payload),</a:t>
+            </a:r>
+          </a:p>
+          <a:p>
+            <a:pPr marL="0" indent="0">
+              <a:buNone/>
+            </a:pPr>
+            <a:r>
+              <a:rPr lang="en-US" altLang="zh-CN" dirty="0"/>
+              <a:t>      secret</a:t>
+            </a:r>
+          </a:p>
+          <a:p>
+            <a:pPr marL="0" indent="0">
+              <a:buNone/>
+            </a:pPr>
+            <a:r>
+              <a:rPr lang="en-US" altLang="zh-CN" dirty="0"/>
+              <a:t>   )</a:t>
+            </a:r>
+          </a:p>
+          <a:p>
             <a:endParaRPr lang="zh-CN" altLang="en-US" dirty="0"/>
           </a:p>
         </p:txBody>
@@ -3134,7 +3253,321 @@
     </p:spTree>
     <p:extLst>
       <p:ext uri="{BB962C8B-B14F-4D97-AF65-F5344CB8AC3E}">
-        <p14:creationId xmlns:p14="http://schemas.microsoft.com/office/powerpoint/2010/main" val="949019935"/>
+        <p14:creationId xmlns:p14="http://schemas.microsoft.com/office/powerpoint/2010/main" val="1289351699"/>
+      </p:ext>
+    </p:extLst>
+  </p:cSld>
+  <p:clrMapOvr>
+    <a:masterClrMapping/>
+  </p:clrMapOvr>
+</p:sld>
+</file>
+
+<file path=ppt/slides/slide18.xml><?xml version="1.0" encoding="utf-8"?>
+<p:sld xmlns:a="http://schemas.openxmlformats.org/drawingml/2006/main" xmlns:r="http://schemas.openxmlformats.org/officeDocument/2006/relationships" xmlns:p="http://schemas.openxmlformats.org/presentationml/2006/main">
+  <p:cSld>
+    <p:spTree>
+      <p:nvGrpSpPr>
+        <p:cNvPr id="1" name=""/>
+        <p:cNvGrpSpPr/>
+        <p:nvPr/>
+      </p:nvGrpSpPr>
+      <p:grpSpPr>
+        <a:xfrm>
+          <a:off x="0" y="0"/>
+          <a:ext cx="0" cy="0"/>
+          <a:chOff x="0" y="0"/>
+          <a:chExt cx="0" cy="0"/>
+        </a:xfrm>
+      </p:grpSpPr>
+      <p:sp>
+        <p:nvSpPr>
+          <p:cNvPr id="2" name="标题 1">
+            <a:extLst>
+              <a:ext uri="{FF2B5EF4-FFF2-40B4-BE49-F238E27FC236}">
+                <a16:creationId xmlns:a16="http://schemas.microsoft.com/office/drawing/2014/main" id="{EE49BE5F-72C9-4BE6-9856-0295402969F1}"/>
+              </a:ext>
+            </a:extLst>
+          </p:cNvPr>
+          <p:cNvSpPr>
+            <a:spLocks noGrp="1"/>
+          </p:cNvSpPr>
+          <p:nvPr>
+            <p:ph type="title"/>
+          </p:nvPr>
+        </p:nvSpPr>
+        <p:spPr/>
+        <p:txBody>
+          <a:bodyPr/>
+          <a:lstStyle/>
+          <a:p>
+            <a:r>
+              <a:rPr lang="zh-CN" altLang="en-US" dirty="0"/>
+              <a:t>鉴权剩下的事</a:t>
+            </a:r>
+          </a:p>
+        </p:txBody>
+      </p:sp>
+      <p:sp>
+        <p:nvSpPr>
+          <p:cNvPr id="3" name="内容占位符 2">
+            <a:extLst>
+              <a:ext uri="{FF2B5EF4-FFF2-40B4-BE49-F238E27FC236}">
+                <a16:creationId xmlns:a16="http://schemas.microsoft.com/office/drawing/2014/main" id="{F32B5B42-573B-481D-84FA-985B47D127F6}"/>
+              </a:ext>
+            </a:extLst>
+          </p:cNvPr>
+          <p:cNvSpPr>
+            <a:spLocks noGrp="1"/>
+          </p:cNvSpPr>
+          <p:nvPr>
+            <p:ph idx="1"/>
+          </p:nvPr>
+        </p:nvSpPr>
+        <p:spPr/>
+        <p:txBody>
+          <a:bodyPr/>
+          <a:lstStyle/>
+          <a:p>
+            <a:r>
+              <a:rPr lang="zh-CN" altLang="en-US" dirty="0"/>
+              <a:t>后端同学完成（）</a:t>
+            </a:r>
+          </a:p>
+        </p:txBody>
+      </p:sp>
+    </p:spTree>
+    <p:extLst>
+      <p:ext uri="{BB962C8B-B14F-4D97-AF65-F5344CB8AC3E}">
+        <p14:creationId xmlns:p14="http://schemas.microsoft.com/office/powerpoint/2010/main" val="3948286153"/>
+      </p:ext>
+    </p:extLst>
+  </p:cSld>
+  <p:clrMapOvr>
+    <a:masterClrMapping/>
+  </p:clrMapOvr>
+</p:sld>
+</file>
+
+<file path=ppt/slides/slide19.xml><?xml version="1.0" encoding="utf-8"?>
+<p:sld xmlns:a="http://schemas.openxmlformats.org/drawingml/2006/main" xmlns:r="http://schemas.openxmlformats.org/officeDocument/2006/relationships" xmlns:p="http://schemas.openxmlformats.org/presentationml/2006/main">
+  <p:cSld>
+    <p:spTree>
+      <p:nvGrpSpPr>
+        <p:cNvPr id="1" name=""/>
+        <p:cNvGrpSpPr/>
+        <p:nvPr/>
+      </p:nvGrpSpPr>
+      <p:grpSpPr>
+        <a:xfrm>
+          <a:off x="0" y="0"/>
+          <a:ext cx="0" cy="0"/>
+          <a:chOff x="0" y="0"/>
+          <a:chExt cx="0" cy="0"/>
+        </a:xfrm>
+      </p:grpSpPr>
+      <p:sp>
+        <p:nvSpPr>
+          <p:cNvPr id="2" name="标题 1">
+            <a:extLst>
+              <a:ext uri="{FF2B5EF4-FFF2-40B4-BE49-F238E27FC236}">
+                <a16:creationId xmlns:a16="http://schemas.microsoft.com/office/drawing/2014/main" id="{65D9F279-BAE5-44FF-8384-5BA0522CA1B4}"/>
+              </a:ext>
+            </a:extLst>
+          </p:cNvPr>
+          <p:cNvSpPr>
+            <a:spLocks noGrp="1"/>
+          </p:cNvSpPr>
+          <p:nvPr>
+            <p:ph type="title"/>
+          </p:nvPr>
+        </p:nvSpPr>
+        <p:spPr/>
+        <p:txBody>
+          <a:bodyPr/>
+          <a:lstStyle/>
+          <a:p>
+            <a:r>
+              <a:rPr lang="zh-CN" altLang="en-US" dirty="0"/>
+              <a:t>页面配置</a:t>
+            </a:r>
+          </a:p>
+        </p:txBody>
+      </p:sp>
+      <p:sp>
+        <p:nvSpPr>
+          <p:cNvPr id="3" name="内容占位符 2">
+            <a:extLst>
+              <a:ext uri="{FF2B5EF4-FFF2-40B4-BE49-F238E27FC236}">
+                <a16:creationId xmlns:a16="http://schemas.microsoft.com/office/drawing/2014/main" id="{2E41145E-8858-437F-8081-45288F3911FF}"/>
+              </a:ext>
+            </a:extLst>
+          </p:cNvPr>
+          <p:cNvSpPr>
+            <a:spLocks noGrp="1"/>
+          </p:cNvSpPr>
+          <p:nvPr>
+            <p:ph idx="1"/>
+          </p:nvPr>
+        </p:nvSpPr>
+        <p:spPr>
+          <a:xfrm>
+            <a:off x="464198" y="1536547"/>
+            <a:ext cx="8215604" cy="4676774"/>
+          </a:xfrm>
+        </p:spPr>
+        <p:txBody>
+          <a:bodyPr>
+            <a:normAutofit lnSpcReduction="10000"/>
+          </a:bodyPr>
+          <a:lstStyle/>
+          <a:p>
+            <a:r>
+              <a:rPr lang="en-US" altLang="zh-CN" dirty="0" err="1"/>
+              <a:t>app.json</a:t>
+            </a:r>
+            <a:r>
+              <a:rPr lang="en-US" altLang="zh-CN" dirty="0"/>
+              <a:t> </a:t>
+            </a:r>
+            <a:r>
+              <a:rPr lang="zh-CN" altLang="en-US" dirty="0"/>
+              <a:t>全局配置页面、</a:t>
+            </a:r>
+            <a:r>
+              <a:rPr lang="en-US" altLang="zh-CN" dirty="0" err="1"/>
+              <a:t>tabbar</a:t>
+            </a:r>
+            <a:r>
+              <a:rPr lang="zh-CN" altLang="en-US" dirty="0"/>
+              <a:t>、</a:t>
+            </a:r>
+            <a:r>
+              <a:rPr lang="en-US" altLang="zh-CN" dirty="0"/>
+              <a:t>sitemap</a:t>
+            </a:r>
+          </a:p>
+          <a:p>
+            <a:r>
+              <a:rPr lang="en-US" altLang="zh-CN" dirty="0" err="1"/>
+              <a:t>sitemap.json</a:t>
+            </a:r>
+            <a:r>
+              <a:rPr lang="en-US" altLang="zh-CN" dirty="0"/>
+              <a:t> </a:t>
+            </a:r>
+            <a:r>
+              <a:rPr lang="zh-CN" altLang="en-US" dirty="0"/>
+              <a:t>微信爬虫的收录规则，了解即可</a:t>
+            </a:r>
+            <a:endParaRPr lang="en-US" altLang="zh-CN" dirty="0"/>
+          </a:p>
+          <a:p>
+            <a:r>
+              <a:rPr lang="en-US" altLang="zh-CN" dirty="0" err="1"/>
+              <a:t>app.wxss</a:t>
+            </a:r>
+            <a:r>
+              <a:rPr lang="zh-CN" altLang="en-US" dirty="0"/>
+              <a:t>全局</a:t>
+            </a:r>
+            <a:r>
+              <a:rPr lang="en-US" altLang="zh-CN" dirty="0" err="1"/>
+              <a:t>css</a:t>
+            </a:r>
+            <a:r>
+              <a:rPr lang="zh-CN" altLang="en-US" dirty="0"/>
+              <a:t>配置</a:t>
+            </a:r>
+            <a:endParaRPr lang="en-US" altLang="zh-CN" dirty="0"/>
+          </a:p>
+          <a:p>
+            <a:r>
+              <a:rPr lang="en-US" altLang="zh-CN" dirty="0"/>
+              <a:t>app.js </a:t>
+            </a:r>
+            <a:r>
+              <a:rPr lang="zh-CN" altLang="en-US" dirty="0"/>
+              <a:t>全局入口</a:t>
+            </a:r>
+            <a:endParaRPr lang="en-US" altLang="zh-CN" dirty="0"/>
+          </a:p>
+          <a:p>
+            <a:endParaRPr lang="en-US" altLang="zh-CN" dirty="0"/>
+          </a:p>
+          <a:p>
+            <a:r>
+              <a:rPr lang="zh-CN" altLang="en-US" dirty="0"/>
+              <a:t>单个页面的配置：</a:t>
+            </a:r>
+            <a:endParaRPr lang="en-US" altLang="zh-CN" dirty="0"/>
+          </a:p>
+          <a:p>
+            <a:r>
+              <a:rPr lang="en-US" altLang="zh-CN" dirty="0"/>
+              <a:t> </a:t>
+            </a:r>
+            <a:r>
+              <a:rPr lang="en-US" altLang="zh-CN" dirty="0" err="1"/>
+              <a:t>xxx.wxml</a:t>
+            </a:r>
+            <a:r>
+              <a:rPr lang="en-US" altLang="zh-CN" dirty="0"/>
+              <a:t> </a:t>
+            </a:r>
+            <a:r>
+              <a:rPr lang="zh-CN" altLang="en-US" dirty="0"/>
+              <a:t>页面内容</a:t>
+            </a:r>
+            <a:endParaRPr lang="en-US" altLang="zh-CN" dirty="0"/>
+          </a:p>
+          <a:p>
+            <a:r>
+              <a:rPr lang="en-US" altLang="zh-CN" dirty="0" err="1"/>
+              <a:t>xxx.wxss</a:t>
+            </a:r>
+            <a:r>
+              <a:rPr lang="en-US" altLang="zh-CN" dirty="0"/>
+              <a:t> </a:t>
+            </a:r>
+            <a:r>
+              <a:rPr lang="zh-CN" altLang="en-US" dirty="0"/>
+              <a:t>页面样式</a:t>
+            </a:r>
+            <a:endParaRPr lang="en-US" altLang="zh-CN" dirty="0"/>
+          </a:p>
+          <a:p>
+            <a:r>
+              <a:rPr lang="en-US" altLang="zh-CN" dirty="0"/>
+              <a:t>xxx.js </a:t>
+            </a:r>
+            <a:r>
+              <a:rPr lang="zh-CN" altLang="en-US" dirty="0"/>
+              <a:t>页面逻辑</a:t>
+            </a:r>
+            <a:endParaRPr lang="en-US" altLang="zh-CN" dirty="0"/>
+          </a:p>
+          <a:p>
+            <a:r>
+              <a:rPr lang="en-US" altLang="zh-CN" dirty="0" err="1"/>
+              <a:t>xxx.json</a:t>
+            </a:r>
+            <a:r>
+              <a:rPr lang="en-US" altLang="zh-CN" dirty="0"/>
+              <a:t> </a:t>
+            </a:r>
+            <a:r>
+              <a:rPr lang="zh-CN" altLang="en-US" dirty="0"/>
+              <a:t>页面额外引用内容配置</a:t>
+            </a:r>
+            <a:endParaRPr lang="en-US" altLang="zh-CN" dirty="0"/>
+          </a:p>
+        </p:txBody>
+      </p:sp>
+    </p:spTree>
+    <p:extLst>
+      <p:ext uri="{BB962C8B-B14F-4D97-AF65-F5344CB8AC3E}">
+        <p14:creationId xmlns:p14="http://schemas.microsoft.com/office/powerpoint/2010/main" val="1174301645"/>
       </p:ext>
     </p:extLst>
   </p:cSld>
@@ -3218,6 +3651,105 @@
     <p:extLst>
       <p:ext uri="{BB962C8B-B14F-4D97-AF65-F5344CB8AC3E}">
         <p14:creationId xmlns:p14="http://schemas.microsoft.com/office/powerpoint/2010/main" val="1511084518"/>
+      </p:ext>
+    </p:extLst>
+  </p:cSld>
+  <p:clrMapOvr>
+    <a:masterClrMapping/>
+  </p:clrMapOvr>
+</p:sld>
+</file>
+
+<file path=ppt/slides/slide20.xml><?xml version="1.0" encoding="utf-8"?>
+<p:sld xmlns:a="http://schemas.openxmlformats.org/drawingml/2006/main" xmlns:r="http://schemas.openxmlformats.org/officeDocument/2006/relationships" xmlns:p="http://schemas.openxmlformats.org/presentationml/2006/main">
+  <p:cSld>
+    <p:spTree>
+      <p:nvGrpSpPr>
+        <p:cNvPr id="1" name=""/>
+        <p:cNvGrpSpPr/>
+        <p:nvPr/>
+      </p:nvGrpSpPr>
+      <p:grpSpPr>
+        <a:xfrm>
+          <a:off x="0" y="0"/>
+          <a:ext cx="0" cy="0"/>
+          <a:chOff x="0" y="0"/>
+          <a:chExt cx="0" cy="0"/>
+        </a:xfrm>
+      </p:grpSpPr>
+      <p:sp>
+        <p:nvSpPr>
+          <p:cNvPr id="2" name="标题 1">
+            <a:extLst>
+              <a:ext uri="{FF2B5EF4-FFF2-40B4-BE49-F238E27FC236}">
+                <a16:creationId xmlns:a16="http://schemas.microsoft.com/office/drawing/2014/main" id="{37780B85-A8C3-4625-A2C1-A3E5A4D263D5}"/>
+              </a:ext>
+            </a:extLst>
+          </p:cNvPr>
+          <p:cNvSpPr>
+            <a:spLocks noGrp="1"/>
+          </p:cNvSpPr>
+          <p:nvPr>
+            <p:ph type="title"/>
+          </p:nvPr>
+        </p:nvSpPr>
+        <p:spPr/>
+        <p:txBody>
+          <a:bodyPr/>
+          <a:lstStyle/>
+          <a:p>
+            <a:r>
+              <a:rPr lang="zh-CN" altLang="en-US" dirty="0"/>
+              <a:t>教练我想用</a:t>
+            </a:r>
+            <a:r>
+              <a:rPr lang="en-US" altLang="zh-CN" dirty="0" err="1"/>
+              <a:t>vscode</a:t>
+            </a:r>
+            <a:r>
+              <a:rPr lang="zh-CN" altLang="en-US" dirty="0"/>
+              <a:t>的插件</a:t>
+            </a:r>
+          </a:p>
+        </p:txBody>
+      </p:sp>
+      <p:sp>
+        <p:nvSpPr>
+          <p:cNvPr id="3" name="内容占位符 2">
+            <a:extLst>
+              <a:ext uri="{FF2B5EF4-FFF2-40B4-BE49-F238E27FC236}">
+                <a16:creationId xmlns:a16="http://schemas.microsoft.com/office/drawing/2014/main" id="{7B9B31FF-57B3-4E24-A4ED-A0E57297BDD9}"/>
+              </a:ext>
+            </a:extLst>
+          </p:cNvPr>
+          <p:cNvSpPr>
+            <a:spLocks noGrp="1"/>
+          </p:cNvSpPr>
+          <p:nvPr>
+            <p:ph idx="1"/>
+          </p:nvPr>
+        </p:nvSpPr>
+        <p:spPr/>
+        <p:txBody>
+          <a:bodyPr/>
+          <a:lstStyle/>
+          <a:p>
+            <a:r>
+              <a:rPr lang="zh-CN" altLang="en-US" dirty="0"/>
+              <a:t>查看 如何使用插件</a:t>
+            </a:r>
+            <a:r>
+              <a:rPr lang="en-US" altLang="zh-CN" dirty="0"/>
+              <a:t>.md</a:t>
+            </a:r>
+            <a:endParaRPr lang="zh-CN" altLang="en-US" dirty="0"/>
+          </a:p>
+        </p:txBody>
+      </p:sp>
+    </p:spTree>
+    <p:extLst>
+      <p:ext uri="{BB962C8B-B14F-4D97-AF65-F5344CB8AC3E}">
+        <p14:creationId xmlns:p14="http://schemas.microsoft.com/office/powerpoint/2010/main" val="949019935"/>
       </p:ext>
     </p:extLst>
   </p:cSld>

--- a/Day7/小程序初探.pptx
+++ b/Day7/小程序初探.pptx
@@ -282,7 +282,7 @@
           <a:p>
             <a:fld id="{A2342C6F-61F0-4565-82FC-57217F9F55CD}" type="datetimeFigureOut">
               <a:rPr lang="zh-CN" altLang="en-US" smtClean="0"/>
-              <a:t>2021/7/27</a:t>
+              <a:t>2021/8/1</a:t>
             </a:fld>
             <a:endParaRPr lang="zh-CN" altLang="en-US"/>
           </a:p>
@@ -447,7 +447,7 @@
           <a:p>
             <a:fld id="{D7C4E7F0-B892-4533-A580-82F5640A19FF}" type="datetimeFigureOut">
               <a:rPr lang="zh-CN" altLang="en-US" smtClean="0"/>
-              <a:t>2021/7/27</a:t>
+              <a:t>2021/8/1</a:t>
             </a:fld>
             <a:endParaRPr lang="zh-CN" altLang="en-US"/>
           </a:p>
@@ -2043,13 +2043,8 @@
             </a:pPr>
             <a:r>
               <a:rPr kumimoji="1" lang="zh-CN" altLang="en-US" sz="3200" b="1" dirty="0"/>
-              <a:t>小</a:t>
-            </a:r>
-            <a:r>
-              <a:rPr kumimoji="1" lang="zh-CN" altLang="en-US" sz="3200" b="1"/>
-              <a:t>程序前端需要了解的内容</a:t>
-            </a:r>
-            <a:endParaRPr kumimoji="1" lang="zh-CN" altLang="en-US" sz="3200" b="1" dirty="0"/>
+              <a:t>小程序前端需要了解的内容</a:t>
+            </a:r>
           </a:p>
         </p:txBody>
       </p:sp>
@@ -3333,6 +3328,17 @@
               <a:rPr lang="zh-CN" altLang="en-US" dirty="0"/>
               <a:t>后端同学完成（）</a:t>
             </a:r>
+            <a:endParaRPr lang="en-US" altLang="zh-CN" dirty="0"/>
+          </a:p>
+          <a:p>
+            <a:r>
+              <a:rPr lang="zh-CN" altLang="en-US" dirty="0"/>
+              <a:t>优缺点</a:t>
+            </a:r>
+            <a:endParaRPr lang="en-US" altLang="zh-CN" dirty="0"/>
+          </a:p>
+          <a:p>
+            <a:endParaRPr lang="zh-CN" altLang="en-US" dirty="0"/>
           </a:p>
         </p:txBody>
       </p:sp>
@@ -4380,8 +4386,8 @@
         </p:blipFill>
         <p:spPr>
           <a:xfrm>
-            <a:off x="89211" y="1488069"/>
-            <a:ext cx="6378493" cy="4084674"/>
+            <a:off x="676754" y="1442348"/>
+            <a:ext cx="7942892" cy="5086487"/>
           </a:xfrm>
           <a:prstGeom prst="rect">
             <a:avLst/>
